--- a/ecommerce-presentation.pptx
+++ b/ecommerce-presentation.pptx
@@ -5,20 +5,21 @@
     <p:sldMasterId id="2147483661" r:id="rId1"/>
   </p:sldMasterIdLst>
   <p:notesMasterIdLst>
-    <p:notesMasterId r:id="rId13"/>
+    <p:notesMasterId r:id="rId14"/>
   </p:notesMasterIdLst>
   <p:sldIdLst>
     <p:sldId id="256" r:id="rId2"/>
     <p:sldId id="257" r:id="rId3"/>
     <p:sldId id="258" r:id="rId4"/>
     <p:sldId id="259" r:id="rId5"/>
-    <p:sldId id="265" r:id="rId6"/>
-    <p:sldId id="266" r:id="rId7"/>
-    <p:sldId id="260" r:id="rId8"/>
-    <p:sldId id="261" r:id="rId9"/>
-    <p:sldId id="262" r:id="rId10"/>
-    <p:sldId id="263" r:id="rId11"/>
-    <p:sldId id="264" r:id="rId12"/>
+    <p:sldId id="267" r:id="rId6"/>
+    <p:sldId id="265" r:id="rId7"/>
+    <p:sldId id="266" r:id="rId8"/>
+    <p:sldId id="260" r:id="rId9"/>
+    <p:sldId id="261" r:id="rId10"/>
+    <p:sldId id="262" r:id="rId11"/>
+    <p:sldId id="263" r:id="rId12"/>
+    <p:sldId id="264" r:id="rId13"/>
   </p:sldIdLst>
   <p:sldSz cx="9144000" cy="6858000" type="screen4x3"/>
   <p:notesSz cx="7010400" cy="9296400"/>
@@ -27689,7 +27690,7 @@
         <p:spPr>
           <a:xfrm>
             <a:off x="496177" y="320634"/>
-            <a:ext cx="6807148" cy="2543545"/>
+            <a:ext cx="8075168" cy="2543545"/>
           </a:xfrm>
           <a:prstGeom prst="rect">
             <a:avLst/>
@@ -27725,7 +27726,7 @@
               <a:rPr lang="en-US" dirty="0" smtClean="0">
                 <a:latin typeface="+mj-lt"/>
               </a:rPr>
-              <a:t>ECOMMERCE WEBSITE</a:t>
+              <a:t>ECOMMERCE APPLICATION</a:t>
             </a:r>
             <a:endParaRPr sz="4400" b="1" i="0" u="none" strike="noStrike" cap="none" dirty="0">
               <a:solidFill>
@@ -27783,7 +27784,7 @@
               <a:rPr lang="en-US" dirty="0" smtClean="0">
                 <a:latin typeface="+mj-lt"/>
               </a:rPr>
-              <a:t>BY TEAM 4</a:t>
+              <a:t>BY TEAM-4</a:t>
             </a:r>
           </a:p>
           <a:p>
@@ -27836,6 +27837,132 @@
 </file>
 
 <file path=ppt/slides/slide10.xml><?xml version="1.0" encoding="utf-8"?>
+<p:sld xmlns:a="http://schemas.openxmlformats.org/drawingml/2006/main" xmlns:r="http://schemas.openxmlformats.org/officeDocument/2006/relationships" xmlns:p="http://schemas.openxmlformats.org/presentationml/2006/main">
+  <p:cSld>
+    <p:spTree>
+      <p:nvGrpSpPr>
+        <p:cNvPr id="1" name=""/>
+        <p:cNvGrpSpPr/>
+        <p:nvPr/>
+      </p:nvGrpSpPr>
+      <p:grpSpPr>
+        <a:xfrm>
+          <a:off x="0" y="0"/>
+          <a:ext cx="0" cy="0"/>
+          <a:chOff x="0" y="0"/>
+          <a:chExt cx="0" cy="0"/>
+        </a:xfrm>
+      </p:grpSpPr>
+      <p:sp>
+        <p:nvSpPr>
+          <p:cNvPr id="2" name="Title 1"/>
+          <p:cNvSpPr>
+            <a:spLocks noGrp="1"/>
+          </p:cNvSpPr>
+          <p:nvPr>
+            <p:ph type="title"/>
+          </p:nvPr>
+        </p:nvSpPr>
+        <p:spPr/>
+        <p:txBody>
+          <a:bodyPr/>
+          <a:lstStyle/>
+          <a:p>
+            <a:r>
+              <a:rPr lang="en-US" dirty="0" smtClean="0">
+                <a:latin typeface="+mj-lt"/>
+              </a:rPr>
+              <a:t>OUTSTANDING DEFECTS &amp; ISSUES</a:t>
+            </a:r>
+            <a:endParaRPr lang="en-US" dirty="0">
+              <a:latin typeface="+mj-lt"/>
+            </a:endParaRPr>
+          </a:p>
+        </p:txBody>
+      </p:sp>
+      <p:sp>
+        <p:nvSpPr>
+          <p:cNvPr id="4" name="Slide Number Placeholder 3"/>
+          <p:cNvSpPr>
+            <a:spLocks noGrp="1"/>
+          </p:cNvSpPr>
+          <p:nvPr>
+            <p:ph type="sldNum" idx="12"/>
+          </p:nvPr>
+        </p:nvSpPr>
+        <p:spPr/>
+        <p:txBody>
+          <a:bodyPr/>
+          <a:lstStyle/>
+          <a:p>
+            <a:pPr marL="0" lvl="0" indent="0" algn="r" rtl="0">
+              <a:spcBef>
+                <a:spcPts val="0"/>
+              </a:spcBef>
+              <a:spcAft>
+                <a:spcPts val="0"/>
+              </a:spcAft>
+              <a:buNone/>
+            </a:pPr>
+            <a:fld id="{00000000-1234-1234-1234-123412341234}" type="slidenum">
+              <a:rPr lang="en-US" smtClean="0"/>
+              <a:t>9</a:t>
+            </a:fld>
+            <a:endParaRPr lang="en-US"/>
+          </a:p>
+        </p:txBody>
+      </p:sp>
+      <p:pic>
+        <p:nvPicPr>
+          <p:cNvPr id="6" name="Picture 5"/>
+          <p:cNvPicPr>
+            <a:picLocks noChangeAspect="1"/>
+          </p:cNvPicPr>
+          <p:nvPr/>
+        </p:nvPicPr>
+        <p:blipFill>
+          <a:blip r:embed="rId2">
+            <a:extLst>
+              <a:ext uri="{28A0092B-C50C-407E-A947-70E740481C1C}">
+                <a14:useLocalDpi xmlns:a14="http://schemas.microsoft.com/office/drawing/2010/main" val="0"/>
+              </a:ext>
+            </a:extLst>
+          </a:blip>
+          <a:stretch>
+            <a:fillRect/>
+          </a:stretch>
+        </p:blipFill>
+        <p:spPr>
+          <a:xfrm>
+            <a:off x="0" y="1402774"/>
+            <a:ext cx="9144000" cy="5143500"/>
+          </a:xfrm>
+          <a:prstGeom prst="rect">
+            <a:avLst/>
+          </a:prstGeom>
+        </p:spPr>
+      </p:pic>
+    </p:spTree>
+    <p:extLst>
+      <p:ext uri="{BB962C8B-B14F-4D97-AF65-F5344CB8AC3E}">
+        <p14:creationId xmlns:p14="http://schemas.microsoft.com/office/powerpoint/2010/main" val="501597959"/>
+      </p:ext>
+    </p:extLst>
+  </p:cSld>
+  <p:clrMapOvr>
+    <a:masterClrMapping/>
+  </p:clrMapOvr>
+  <p:timing>
+    <p:tnLst>
+      <p:par>
+        <p:cTn id="1" dur="indefinite" restart="never" nodeType="tmRoot"/>
+      </p:par>
+    </p:tnLst>
+  </p:timing>
+</p:sld>
+</file>
+
+<file path=ppt/slides/slide11.xml><?xml version="1.0" encoding="utf-8"?>
 <p:sld xmlns:a="http://schemas.openxmlformats.org/drawingml/2006/main" xmlns:r="http://schemas.openxmlformats.org/officeDocument/2006/relationships" xmlns:p="http://schemas.openxmlformats.org/presentationml/2006/main">
   <p:cSld>
     <p:spTree>
@@ -27965,7 +28092,7 @@
             </a:pPr>
             <a:fld id="{00000000-1234-1234-1234-123412341234}" type="slidenum">
               <a:rPr lang="en-US" smtClean="0"/>
-              <a:t>9</a:t>
+              <a:t>10</a:t>
             </a:fld>
             <a:endParaRPr lang="en-US"/>
           </a:p>
@@ -27991,7 +28118,7 @@
 </p:sld>
 </file>
 
-<file path=ppt/slides/slide11.xml><?xml version="1.0" encoding="utf-8"?>
+<file path=ppt/slides/slide12.xml><?xml version="1.0" encoding="utf-8"?>
 <p:sld xmlns:a="http://schemas.openxmlformats.org/drawingml/2006/main" xmlns:r="http://schemas.openxmlformats.org/officeDocument/2006/relationships" xmlns:p="http://schemas.openxmlformats.org/presentationml/2006/main">
   <p:cSld>
     <p:spTree>
@@ -28087,7 +28214,7 @@
               <a:rPr lang="en-US" smtClean="0">
                 <a:latin typeface="+mj-lt"/>
               </a:rPr>
-              <a:t>10</a:t>
+              <a:t>11</a:t>
             </a:fld>
             <a:endParaRPr lang="en-US">
               <a:latin typeface="+mj-lt"/>
@@ -28452,7 +28579,7 @@
               <a:t>One week </a:t>
             </a:r>
             <a:r>
-              <a:rPr lang="en-US" sz="2400" smtClean="0">
+              <a:rPr lang="en-US" sz="2400" dirty="0" smtClean="0">
                 <a:latin typeface="+mj-lt"/>
               </a:rPr>
               <a:t>sprint duration.</a:t>
@@ -28766,13 +28893,13 @@
               <a:rPr lang="en-US" dirty="0">
                 <a:latin typeface="+mj-lt"/>
               </a:rPr>
-              <a:t>Each team member create </a:t>
+              <a:t>Each team member </a:t>
             </a:r>
             <a:r>
               <a:rPr lang="en-US" dirty="0" smtClean="0">
                 <a:latin typeface="+mj-lt"/>
               </a:rPr>
-              <a:t>a </a:t>
+              <a:t>created a </a:t>
             </a:r>
             <a:r>
               <a:rPr lang="en-US" dirty="0">
@@ -28786,13 +28913,13 @@
               <a:rPr lang="en-US" dirty="0">
                 <a:latin typeface="+mj-lt"/>
               </a:rPr>
-              <a:t>Each team member pull </a:t>
+              <a:t>Each team member </a:t>
             </a:r>
             <a:r>
               <a:rPr lang="en-US" dirty="0" smtClean="0">
                 <a:latin typeface="+mj-lt"/>
               </a:rPr>
-              <a:t>the </a:t>
+              <a:t>pulled the </a:t>
             </a:r>
             <a:r>
               <a:rPr lang="en-US" dirty="0">
@@ -28821,7 +28948,7 @@
               <a:rPr lang="en-US" dirty="0" smtClean="0">
                 <a:latin typeface="+mj-lt"/>
               </a:rPr>
-              <a:t>work on the feature on his branch.</a:t>
+              <a:t>worked on the feature on his branch.</a:t>
             </a:r>
             <a:endParaRPr lang="en-US" dirty="0">
               <a:latin typeface="+mj-lt"/>
@@ -28832,7 +28959,19 @@
               <a:rPr lang="en-US" dirty="0">
                 <a:latin typeface="+mj-lt"/>
               </a:rPr>
-              <a:t>Once the feature completed, we merge it to </a:t>
+              <a:t>Once the feature completed, we </a:t>
+            </a:r>
+            <a:r>
+              <a:rPr lang="en-US" dirty="0" smtClean="0">
+                <a:latin typeface="+mj-lt"/>
+              </a:rPr>
+              <a:t>merged </a:t>
+            </a:r>
+            <a:r>
+              <a:rPr lang="en-US" dirty="0">
+                <a:latin typeface="+mj-lt"/>
+              </a:rPr>
+              <a:t>it to </a:t>
             </a:r>
             <a:r>
               <a:rPr lang="en-US" dirty="0" smtClean="0">
@@ -28858,7 +28997,7 @@
               <a:rPr lang="en-US" dirty="0" smtClean="0">
                 <a:latin typeface="+mj-lt"/>
               </a:rPr>
-              <a:t>push to the remote main </a:t>
+              <a:t>pushed to the remote main </a:t>
             </a:r>
             <a:r>
               <a:rPr lang="en-US" dirty="0">
@@ -28957,6 +29096,125 @@
           <a:lstStyle/>
           <a:p>
             <a:r>
+              <a:rPr lang="en-US" dirty="0"/>
+              <a:t>GITFLOW AND BRANCHING </a:t>
+            </a:r>
+            <a:r>
+              <a:rPr lang="en-US" dirty="0" smtClean="0"/>
+              <a:t>STRATEGIES. CONTINUE</a:t>
+            </a:r>
+            <a:endParaRPr lang="en-US" dirty="0"/>
+          </a:p>
+        </p:txBody>
+      </p:sp>
+      <p:sp>
+        <p:nvSpPr>
+          <p:cNvPr id="4" name="Slide Number Placeholder 3"/>
+          <p:cNvSpPr>
+            <a:spLocks noGrp="1"/>
+          </p:cNvSpPr>
+          <p:nvPr>
+            <p:ph type="sldNum" idx="12"/>
+          </p:nvPr>
+        </p:nvSpPr>
+        <p:spPr/>
+        <p:txBody>
+          <a:bodyPr/>
+          <a:lstStyle/>
+          <a:p>
+            <a:pPr marL="0" lvl="0" indent="0" algn="r" rtl="0">
+              <a:spcBef>
+                <a:spcPts val="0"/>
+              </a:spcBef>
+              <a:spcAft>
+                <a:spcPts val="0"/>
+              </a:spcAft>
+              <a:buNone/>
+            </a:pPr>
+            <a:fld id="{00000000-1234-1234-1234-123412341234}" type="slidenum">
+              <a:rPr lang="en-US" smtClean="0"/>
+              <a:t>4</a:t>
+            </a:fld>
+            <a:endParaRPr lang="en-US"/>
+          </a:p>
+        </p:txBody>
+      </p:sp>
+      <p:pic>
+        <p:nvPicPr>
+          <p:cNvPr id="5" name="Picture 4"/>
+          <p:cNvPicPr>
+            <a:picLocks noChangeAspect="1"/>
+          </p:cNvPicPr>
+          <p:nvPr/>
+        </p:nvPicPr>
+        <p:blipFill>
+          <a:blip r:embed="rId2">
+            <a:extLst>
+              <a:ext uri="{28A0092B-C50C-407E-A947-70E740481C1C}">
+                <a14:useLocalDpi xmlns:a14="http://schemas.microsoft.com/office/drawing/2010/main" val="0"/>
+              </a:ext>
+            </a:extLst>
+          </a:blip>
+          <a:stretch>
+            <a:fillRect/>
+          </a:stretch>
+        </p:blipFill>
+        <p:spPr>
+          <a:xfrm>
+            <a:off x="857394" y="1219200"/>
+            <a:ext cx="7095115" cy="5371641"/>
+          </a:xfrm>
+          <a:prstGeom prst="rect">
+            <a:avLst/>
+          </a:prstGeom>
+        </p:spPr>
+      </p:pic>
+    </p:spTree>
+    <p:extLst>
+      <p:ext uri="{BB962C8B-B14F-4D97-AF65-F5344CB8AC3E}">
+        <p14:creationId xmlns:p14="http://schemas.microsoft.com/office/powerpoint/2010/main" val="4234964453"/>
+      </p:ext>
+    </p:extLst>
+  </p:cSld>
+  <p:clrMapOvr>
+    <a:masterClrMapping/>
+  </p:clrMapOvr>
+</p:sld>
+</file>
+
+<file path=ppt/slides/slide6.xml><?xml version="1.0" encoding="utf-8"?>
+<p:sld xmlns:a="http://schemas.openxmlformats.org/drawingml/2006/main" xmlns:r="http://schemas.openxmlformats.org/officeDocument/2006/relationships" xmlns:p="http://schemas.openxmlformats.org/presentationml/2006/main">
+  <p:cSld>
+    <p:spTree>
+      <p:nvGrpSpPr>
+        <p:cNvPr id="1" name=""/>
+        <p:cNvGrpSpPr/>
+        <p:nvPr/>
+      </p:nvGrpSpPr>
+      <p:grpSpPr>
+        <a:xfrm>
+          <a:off x="0" y="0"/>
+          <a:ext cx="0" cy="0"/>
+          <a:chOff x="0" y="0"/>
+          <a:chExt cx="0" cy="0"/>
+        </a:xfrm>
+      </p:grpSpPr>
+      <p:sp>
+        <p:nvSpPr>
+          <p:cNvPr id="2" name="Title 1"/>
+          <p:cNvSpPr>
+            <a:spLocks noGrp="1"/>
+          </p:cNvSpPr>
+          <p:nvPr>
+            <p:ph type="title"/>
+          </p:nvPr>
+        </p:nvSpPr>
+        <p:spPr/>
+        <p:txBody>
+          <a:bodyPr/>
+          <a:lstStyle/>
+          <a:p>
+            <a:r>
               <a:rPr lang="en-US" dirty="0" smtClean="0">
                 <a:latin typeface="+mj-lt"/>
               </a:rPr>
@@ -28994,7 +29252,7 @@
             </a:pPr>
             <a:fld id="{00000000-1234-1234-1234-123412341234}" type="slidenum">
               <a:rPr lang="en-US" smtClean="0"/>
-              <a:t>4</a:t>
+              <a:t>5</a:t>
             </a:fld>
             <a:endParaRPr lang="en-US"/>
           </a:p>
@@ -29050,7 +29308,7 @@
 </p:sld>
 </file>
 
-<file path=ppt/slides/slide6.xml><?xml version="1.0" encoding="utf-8"?>
+<file path=ppt/slides/slide7.xml><?xml version="1.0" encoding="utf-8"?>
 <p:sld xmlns:a="http://schemas.openxmlformats.org/drawingml/2006/main" xmlns:r="http://schemas.openxmlformats.org/officeDocument/2006/relationships" xmlns:p="http://schemas.openxmlformats.org/presentationml/2006/main">
   <p:cSld>
     <p:spTree>
@@ -29120,7 +29378,7 @@
             </a:pPr>
             <a:fld id="{00000000-1234-1234-1234-123412341234}" type="slidenum">
               <a:rPr lang="en-US" smtClean="0"/>
-              <a:t>5</a:t>
+              <a:t>6</a:t>
             </a:fld>
             <a:endParaRPr lang="en-US"/>
           </a:p>
@@ -29176,7 +29434,7 @@
 </p:sld>
 </file>
 
-<file path=ppt/slides/slide7.xml><?xml version="1.0" encoding="utf-8"?>
+<file path=ppt/slides/slide8.xml><?xml version="1.0" encoding="utf-8"?>
 <p:sld xmlns:a="http://schemas.openxmlformats.org/drawingml/2006/main" xmlns:r="http://schemas.openxmlformats.org/officeDocument/2006/relationships" xmlns:p="http://schemas.openxmlformats.org/presentationml/2006/main">
   <p:cSld>
     <p:spTree>
@@ -29275,7 +29533,7 @@
             </a:pPr>
             <a:fld id="{00000000-1234-1234-1234-123412341234}" type="slidenum">
               <a:rPr lang="en-US" smtClean="0"/>
-              <a:t>6</a:t>
+              <a:t>7</a:t>
             </a:fld>
             <a:endParaRPr lang="en-US"/>
           </a:p>
@@ -29331,7 +29589,7 @@
 </p:sld>
 </file>
 
-<file path=ppt/slides/slide8.xml><?xml version="1.0" encoding="utf-8"?>
+<file path=ppt/slides/slide9.xml><?xml version="1.0" encoding="utf-8"?>
 <p:sld xmlns:a="http://schemas.openxmlformats.org/drawingml/2006/main" xmlns:r="http://schemas.openxmlformats.org/officeDocument/2006/relationships" xmlns:p="http://schemas.openxmlformats.org/presentationml/2006/main">
   <p:cSld>
     <p:spTree>
@@ -29420,7 +29678,7 @@
             </a:pPr>
             <a:fld id="{00000000-1234-1234-1234-123412341234}" type="slidenum">
               <a:rPr lang="en-US" smtClean="0"/>
-              <a:t>7</a:t>
+              <a:t>8</a:t>
             </a:fld>
             <a:endParaRPr lang="en-US"/>
           </a:p>
@@ -29460,151 +29718,6 @@
     <p:extLst>
       <p:ext uri="{BB962C8B-B14F-4D97-AF65-F5344CB8AC3E}">
         <p14:creationId xmlns:p14="http://schemas.microsoft.com/office/powerpoint/2010/main" val="67426327"/>
-      </p:ext>
-    </p:extLst>
-  </p:cSld>
-  <p:clrMapOvr>
-    <a:masterClrMapping/>
-  </p:clrMapOvr>
-  <p:timing>
-    <p:tnLst>
-      <p:par>
-        <p:cTn id="1" dur="indefinite" restart="never" nodeType="tmRoot"/>
-      </p:par>
-    </p:tnLst>
-  </p:timing>
-</p:sld>
-</file>
-
-<file path=ppt/slides/slide9.xml><?xml version="1.0" encoding="utf-8"?>
-<p:sld xmlns:a="http://schemas.openxmlformats.org/drawingml/2006/main" xmlns:r="http://schemas.openxmlformats.org/officeDocument/2006/relationships" xmlns:p="http://schemas.openxmlformats.org/presentationml/2006/main">
-  <p:cSld>
-    <p:spTree>
-      <p:nvGrpSpPr>
-        <p:cNvPr id="1" name=""/>
-        <p:cNvGrpSpPr/>
-        <p:nvPr/>
-      </p:nvGrpSpPr>
-      <p:grpSpPr>
-        <a:xfrm>
-          <a:off x="0" y="0"/>
-          <a:ext cx="0" cy="0"/>
-          <a:chOff x="0" y="0"/>
-          <a:chExt cx="0" cy="0"/>
-        </a:xfrm>
-      </p:grpSpPr>
-      <p:sp>
-        <p:nvSpPr>
-          <p:cNvPr id="2" name="Title 1"/>
-          <p:cNvSpPr>
-            <a:spLocks noGrp="1"/>
-          </p:cNvSpPr>
-          <p:nvPr>
-            <p:ph type="title"/>
-          </p:nvPr>
-        </p:nvSpPr>
-        <p:spPr/>
-        <p:txBody>
-          <a:bodyPr/>
-          <a:lstStyle/>
-          <a:p>
-            <a:r>
-              <a:rPr lang="en-US" dirty="0" smtClean="0">
-                <a:latin typeface="+mj-lt"/>
-              </a:rPr>
-              <a:t>OUTSTANDING DEFECTS &amp; ISSUES</a:t>
-            </a:r>
-            <a:endParaRPr lang="en-US" dirty="0">
-              <a:latin typeface="+mj-lt"/>
-            </a:endParaRPr>
-          </a:p>
-        </p:txBody>
-      </p:sp>
-      <p:sp>
-        <p:nvSpPr>
-          <p:cNvPr id="3" name="Text Placeholder 2"/>
-          <p:cNvSpPr>
-            <a:spLocks noGrp="1"/>
-          </p:cNvSpPr>
-          <p:nvPr>
-            <p:ph type="body" idx="1"/>
-          </p:nvPr>
-        </p:nvSpPr>
-        <p:spPr/>
-        <p:txBody>
-          <a:bodyPr/>
-          <a:lstStyle/>
-          <a:p>
-            <a:endParaRPr lang="en-US" dirty="0"/>
-          </a:p>
-        </p:txBody>
-      </p:sp>
-      <p:sp>
-        <p:nvSpPr>
-          <p:cNvPr id="4" name="Slide Number Placeholder 3"/>
-          <p:cNvSpPr>
-            <a:spLocks noGrp="1"/>
-          </p:cNvSpPr>
-          <p:nvPr>
-            <p:ph type="sldNum" idx="12"/>
-          </p:nvPr>
-        </p:nvSpPr>
-        <p:spPr/>
-        <p:txBody>
-          <a:bodyPr/>
-          <a:lstStyle/>
-          <a:p>
-            <a:pPr marL="0" lvl="0" indent="0" algn="r" rtl="0">
-              <a:spcBef>
-                <a:spcPts val="0"/>
-              </a:spcBef>
-              <a:spcAft>
-                <a:spcPts val="0"/>
-              </a:spcAft>
-              <a:buNone/>
-            </a:pPr>
-            <a:fld id="{00000000-1234-1234-1234-123412341234}" type="slidenum">
-              <a:rPr lang="en-US" smtClean="0"/>
-              <a:t>8</a:t>
-            </a:fld>
-            <a:endParaRPr lang="en-US"/>
-          </a:p>
-        </p:txBody>
-      </p:sp>
-      <p:pic>
-        <p:nvPicPr>
-          <p:cNvPr id="5" name="Picture 4"/>
-          <p:cNvPicPr>
-            <a:picLocks noChangeAspect="1"/>
-          </p:cNvPicPr>
-          <p:nvPr/>
-        </p:nvPicPr>
-        <p:blipFill>
-          <a:blip r:embed="rId2">
-            <a:extLst>
-              <a:ext uri="{28A0092B-C50C-407E-A947-70E740481C1C}">
-                <a14:useLocalDpi xmlns:a14="http://schemas.microsoft.com/office/drawing/2010/main" val="0"/>
-              </a:ext>
-            </a:extLst>
-          </a:blip>
-          <a:stretch>
-            <a:fillRect/>
-          </a:stretch>
-        </p:blipFill>
-        <p:spPr>
-          <a:xfrm>
-            <a:off x="0" y="857250"/>
-            <a:ext cx="9144000" cy="5143500"/>
-          </a:xfrm>
-          <a:prstGeom prst="rect">
-            <a:avLst/>
-          </a:prstGeom>
-        </p:spPr>
-      </p:pic>
-    </p:spTree>
-    <p:extLst>
-      <p:ext uri="{BB962C8B-B14F-4D97-AF65-F5344CB8AC3E}">
-        <p14:creationId xmlns:p14="http://schemas.microsoft.com/office/powerpoint/2010/main" val="501597959"/>
       </p:ext>
     </p:extLst>
   </p:cSld>

--- a/ecommerce-presentation.pptx
+++ b/ecommerce-presentation.pptx
@@ -5,7 +5,7 @@
     <p:sldMasterId id="2147483661" r:id="rId1"/>
   </p:sldMasterIdLst>
   <p:notesMasterIdLst>
-    <p:notesMasterId r:id="rId14"/>
+    <p:notesMasterId r:id="rId15"/>
   </p:notesMasterIdLst>
   <p:sldIdLst>
     <p:sldId id="256" r:id="rId2"/>
@@ -14,12 +14,13 @@
     <p:sldId id="259" r:id="rId5"/>
     <p:sldId id="267" r:id="rId6"/>
     <p:sldId id="265" r:id="rId7"/>
-    <p:sldId id="266" r:id="rId8"/>
-    <p:sldId id="260" r:id="rId9"/>
-    <p:sldId id="261" r:id="rId10"/>
-    <p:sldId id="262" r:id="rId11"/>
-    <p:sldId id="263" r:id="rId12"/>
-    <p:sldId id="264" r:id="rId13"/>
+    <p:sldId id="268" r:id="rId8"/>
+    <p:sldId id="266" r:id="rId9"/>
+    <p:sldId id="260" r:id="rId10"/>
+    <p:sldId id="261" r:id="rId11"/>
+    <p:sldId id="262" r:id="rId12"/>
+    <p:sldId id="263" r:id="rId13"/>
+    <p:sldId id="264" r:id="rId14"/>
   </p:sldIdLst>
   <p:sldSz cx="9144000" cy="6858000" type="screen4x3"/>
   <p:notesSz cx="7010400" cy="9296400"/>
@@ -27872,6 +27873,151 @@
               <a:rPr lang="en-US" dirty="0" smtClean="0">
                 <a:latin typeface="+mj-lt"/>
               </a:rPr>
+              <a:t>LIST OF FEATURES IMPLEMENTED</a:t>
+            </a:r>
+            <a:endParaRPr lang="en-US" dirty="0">
+              <a:latin typeface="+mj-lt"/>
+            </a:endParaRPr>
+          </a:p>
+        </p:txBody>
+      </p:sp>
+      <p:sp>
+        <p:nvSpPr>
+          <p:cNvPr id="3" name="Text Placeholder 2"/>
+          <p:cNvSpPr>
+            <a:spLocks noGrp="1"/>
+          </p:cNvSpPr>
+          <p:nvPr>
+            <p:ph type="body" idx="1"/>
+          </p:nvPr>
+        </p:nvSpPr>
+        <p:spPr/>
+        <p:txBody>
+          <a:bodyPr/>
+          <a:lstStyle/>
+          <a:p>
+            <a:endParaRPr lang="en-US" dirty="0"/>
+          </a:p>
+        </p:txBody>
+      </p:sp>
+      <p:sp>
+        <p:nvSpPr>
+          <p:cNvPr id="4" name="Slide Number Placeholder 3"/>
+          <p:cNvSpPr>
+            <a:spLocks noGrp="1"/>
+          </p:cNvSpPr>
+          <p:nvPr>
+            <p:ph type="sldNum" idx="12"/>
+          </p:nvPr>
+        </p:nvSpPr>
+        <p:spPr/>
+        <p:txBody>
+          <a:bodyPr/>
+          <a:lstStyle/>
+          <a:p>
+            <a:pPr marL="0" lvl="0" indent="0" algn="r" rtl="0">
+              <a:spcBef>
+                <a:spcPts val="0"/>
+              </a:spcBef>
+              <a:spcAft>
+                <a:spcPts val="0"/>
+              </a:spcAft>
+              <a:buNone/>
+            </a:pPr>
+            <a:fld id="{00000000-1234-1234-1234-123412341234}" type="slidenum">
+              <a:rPr lang="en-US" smtClean="0"/>
+              <a:t>9</a:t>
+            </a:fld>
+            <a:endParaRPr lang="en-US"/>
+          </a:p>
+        </p:txBody>
+      </p:sp>
+      <p:pic>
+        <p:nvPicPr>
+          <p:cNvPr id="6" name="Picture 5"/>
+          <p:cNvPicPr>
+            <a:picLocks noChangeAspect="1"/>
+          </p:cNvPicPr>
+          <p:nvPr/>
+        </p:nvPicPr>
+        <p:blipFill>
+          <a:blip r:embed="rId2">
+            <a:extLst>
+              <a:ext uri="{28A0092B-C50C-407E-A947-70E740481C1C}">
+                <a14:useLocalDpi xmlns:a14="http://schemas.microsoft.com/office/drawing/2010/main" val="0"/>
+              </a:ext>
+            </a:extLst>
+          </a:blip>
+          <a:stretch>
+            <a:fillRect/>
+          </a:stretch>
+        </p:blipFill>
+        <p:spPr>
+          <a:xfrm>
+            <a:off x="0" y="1042061"/>
+            <a:ext cx="9144000" cy="5143500"/>
+          </a:xfrm>
+          <a:prstGeom prst="rect">
+            <a:avLst/>
+          </a:prstGeom>
+        </p:spPr>
+      </p:pic>
+    </p:spTree>
+    <p:extLst>
+      <p:ext uri="{BB962C8B-B14F-4D97-AF65-F5344CB8AC3E}">
+        <p14:creationId xmlns:p14="http://schemas.microsoft.com/office/powerpoint/2010/main" val="67426327"/>
+      </p:ext>
+    </p:extLst>
+  </p:cSld>
+  <p:clrMapOvr>
+    <a:masterClrMapping/>
+  </p:clrMapOvr>
+  <p:timing>
+    <p:tnLst>
+      <p:par>
+        <p:cTn id="1" dur="indefinite" restart="never" nodeType="tmRoot"/>
+      </p:par>
+    </p:tnLst>
+  </p:timing>
+</p:sld>
+</file>
+
+<file path=ppt/slides/slide11.xml><?xml version="1.0" encoding="utf-8"?>
+<p:sld xmlns:a="http://schemas.openxmlformats.org/drawingml/2006/main" xmlns:r="http://schemas.openxmlformats.org/officeDocument/2006/relationships" xmlns:p="http://schemas.openxmlformats.org/presentationml/2006/main">
+  <p:cSld>
+    <p:spTree>
+      <p:nvGrpSpPr>
+        <p:cNvPr id="1" name=""/>
+        <p:cNvGrpSpPr/>
+        <p:nvPr/>
+      </p:nvGrpSpPr>
+      <p:grpSpPr>
+        <a:xfrm>
+          <a:off x="0" y="0"/>
+          <a:ext cx="0" cy="0"/>
+          <a:chOff x="0" y="0"/>
+          <a:chExt cx="0" cy="0"/>
+        </a:xfrm>
+      </p:grpSpPr>
+      <p:sp>
+        <p:nvSpPr>
+          <p:cNvPr id="2" name="Title 1"/>
+          <p:cNvSpPr>
+            <a:spLocks noGrp="1"/>
+          </p:cNvSpPr>
+          <p:nvPr>
+            <p:ph type="title"/>
+          </p:nvPr>
+        </p:nvSpPr>
+        <p:spPr/>
+        <p:txBody>
+          <a:bodyPr/>
+          <a:lstStyle/>
+          <a:p>
+            <a:r>
+              <a:rPr lang="en-US" dirty="0" smtClean="0">
+                <a:latin typeface="+mj-lt"/>
+              </a:rPr>
               <a:t>OUTSTANDING DEFECTS &amp; ISSUES</a:t>
             </a:r>
             <a:endParaRPr lang="en-US" dirty="0">
@@ -27906,7 +28052,7 @@
             </a:pPr>
             <a:fld id="{00000000-1234-1234-1234-123412341234}" type="slidenum">
               <a:rPr lang="en-US" smtClean="0"/>
-              <a:t>9</a:t>
+              <a:t>10</a:t>
             </a:fld>
             <a:endParaRPr lang="en-US"/>
           </a:p>
@@ -27962,7 +28108,7 @@
 </p:sld>
 </file>
 
-<file path=ppt/slides/slide11.xml><?xml version="1.0" encoding="utf-8"?>
+<file path=ppt/slides/slide12.xml><?xml version="1.0" encoding="utf-8"?>
 <p:sld xmlns:a="http://schemas.openxmlformats.org/drawingml/2006/main" xmlns:r="http://schemas.openxmlformats.org/officeDocument/2006/relationships" xmlns:p="http://schemas.openxmlformats.org/presentationml/2006/main">
   <p:cSld>
     <p:spTree>
@@ -28092,7 +28238,7 @@
             </a:pPr>
             <a:fld id="{00000000-1234-1234-1234-123412341234}" type="slidenum">
               <a:rPr lang="en-US" smtClean="0"/>
-              <a:t>10</a:t>
+              <a:t>11</a:t>
             </a:fld>
             <a:endParaRPr lang="en-US"/>
           </a:p>
@@ -28118,7 +28264,7 @@
 </p:sld>
 </file>
 
-<file path=ppt/slides/slide12.xml><?xml version="1.0" encoding="utf-8"?>
+<file path=ppt/slides/slide13.xml><?xml version="1.0" encoding="utf-8"?>
 <p:sld xmlns:a="http://schemas.openxmlformats.org/drawingml/2006/main" xmlns:r="http://schemas.openxmlformats.org/officeDocument/2006/relationships" xmlns:p="http://schemas.openxmlformats.org/presentationml/2006/main">
   <p:cSld>
     <p:spTree>
@@ -28214,7 +28360,7 @@
               <a:rPr lang="en-US" smtClean="0">
                 <a:latin typeface="+mj-lt"/>
               </a:rPr>
-              <a:t>11</a:t>
+              <a:t>12</a:t>
             </a:fld>
             <a:endParaRPr lang="en-US">
               <a:latin typeface="+mj-lt"/>
@@ -28408,7 +28554,25 @@
               <a:rPr lang="en-US" sz="2400" dirty="0">
                 <a:latin typeface="+mj-lt"/>
               </a:rPr>
-              <a:t>Firas was responsible for the login, register, display products, search for products, sales/deals, Dark mode, and notifications.</a:t>
+              <a:t>Firas was responsible for the login, register, display products, search for products</a:t>
+            </a:r>
+            <a:r>
+              <a:rPr lang="en-US" sz="2400">
+                <a:latin typeface="+mj-lt"/>
+              </a:rPr>
+              <a:t>, </a:t>
+            </a:r>
+            <a:r>
+              <a:rPr lang="en-US" sz="2400" smtClean="0">
+                <a:latin typeface="+mj-lt"/>
+              </a:rPr>
+              <a:t>sales/deals/featured, </a:t>
+            </a:r>
+            <a:r>
+              <a:rPr lang="en-US" sz="2400" dirty="0">
+                <a:latin typeface="+mj-lt"/>
+              </a:rPr>
+              <a:t>Dark mode, and notifications.</a:t>
             </a:r>
           </a:p>
           <a:p>
@@ -29344,6 +29508,125 @@
               <a:rPr lang="en-US" dirty="0" smtClean="0">
                 <a:latin typeface="+mj-lt"/>
               </a:rPr>
+              <a:t>CLASS DIAGRAM</a:t>
+            </a:r>
+            <a:endParaRPr lang="en-US" dirty="0">
+              <a:latin typeface="+mj-lt"/>
+            </a:endParaRPr>
+          </a:p>
+        </p:txBody>
+      </p:sp>
+      <p:sp>
+        <p:nvSpPr>
+          <p:cNvPr id="4" name="Slide Number Placeholder 3"/>
+          <p:cNvSpPr>
+            <a:spLocks noGrp="1"/>
+          </p:cNvSpPr>
+          <p:nvPr>
+            <p:ph type="sldNum" idx="12"/>
+          </p:nvPr>
+        </p:nvSpPr>
+        <p:spPr/>
+        <p:txBody>
+          <a:bodyPr/>
+          <a:lstStyle/>
+          <a:p>
+            <a:pPr marL="0" lvl="0" indent="0" algn="r" rtl="0">
+              <a:spcBef>
+                <a:spcPts val="0"/>
+              </a:spcBef>
+              <a:spcAft>
+                <a:spcPts val="0"/>
+              </a:spcAft>
+              <a:buNone/>
+            </a:pPr>
+            <a:fld id="{00000000-1234-1234-1234-123412341234}" type="slidenum">
+              <a:rPr lang="en-US" smtClean="0"/>
+              <a:t>6</a:t>
+            </a:fld>
+            <a:endParaRPr lang="en-US"/>
+          </a:p>
+        </p:txBody>
+      </p:sp>
+      <p:pic>
+        <p:nvPicPr>
+          <p:cNvPr id="5" name="Picture 4"/>
+          <p:cNvPicPr>
+            <a:picLocks noChangeAspect="1"/>
+          </p:cNvPicPr>
+          <p:nvPr/>
+        </p:nvPicPr>
+        <p:blipFill>
+          <a:blip r:embed="rId2">
+            <a:extLst>
+              <a:ext uri="{28A0092B-C50C-407E-A947-70E740481C1C}">
+                <a14:useLocalDpi xmlns:a14="http://schemas.microsoft.com/office/drawing/2010/main" val="0"/>
+              </a:ext>
+            </a:extLst>
+          </a:blip>
+          <a:stretch>
+            <a:fillRect/>
+          </a:stretch>
+        </p:blipFill>
+        <p:spPr>
+          <a:xfrm>
+            <a:off x="0" y="1387153"/>
+            <a:ext cx="9144000" cy="5159121"/>
+          </a:xfrm>
+          <a:prstGeom prst="rect">
+            <a:avLst/>
+          </a:prstGeom>
+        </p:spPr>
+      </p:pic>
+    </p:spTree>
+    <p:extLst>
+      <p:ext uri="{BB962C8B-B14F-4D97-AF65-F5344CB8AC3E}">
+        <p14:creationId xmlns:p14="http://schemas.microsoft.com/office/powerpoint/2010/main" val="3377390821"/>
+      </p:ext>
+    </p:extLst>
+  </p:cSld>
+  <p:clrMapOvr>
+    <a:masterClrMapping/>
+  </p:clrMapOvr>
+</p:sld>
+</file>
+
+<file path=ppt/slides/slide8.xml><?xml version="1.0" encoding="utf-8"?>
+<p:sld xmlns:a="http://schemas.openxmlformats.org/drawingml/2006/main" xmlns:r="http://schemas.openxmlformats.org/officeDocument/2006/relationships" xmlns:p="http://schemas.openxmlformats.org/presentationml/2006/main">
+  <p:cSld>
+    <p:spTree>
+      <p:nvGrpSpPr>
+        <p:cNvPr id="1" name=""/>
+        <p:cNvGrpSpPr/>
+        <p:nvPr/>
+      </p:nvGrpSpPr>
+      <p:grpSpPr>
+        <a:xfrm>
+          <a:off x="0" y="0"/>
+          <a:ext cx="0" cy="0"/>
+          <a:chOff x="0" y="0"/>
+          <a:chExt cx="0" cy="0"/>
+        </a:xfrm>
+      </p:grpSpPr>
+      <p:sp>
+        <p:nvSpPr>
+          <p:cNvPr id="2" name="Title 1"/>
+          <p:cNvSpPr>
+            <a:spLocks noGrp="1"/>
+          </p:cNvSpPr>
+          <p:nvPr>
+            <p:ph type="title"/>
+          </p:nvPr>
+        </p:nvSpPr>
+        <p:spPr/>
+        <p:txBody>
+          <a:bodyPr/>
+          <a:lstStyle/>
+          <a:p>
+            <a:r>
+              <a:rPr lang="en-US" dirty="0" smtClean="0">
+                <a:latin typeface="+mj-lt"/>
+              </a:rPr>
               <a:t>ERD DIAGRAM</a:t>
             </a:r>
             <a:endParaRPr lang="en-US" dirty="0">
@@ -29378,7 +29661,7 @@
             </a:pPr>
             <a:fld id="{00000000-1234-1234-1234-123412341234}" type="slidenum">
               <a:rPr lang="en-US" smtClean="0"/>
-              <a:t>6</a:t>
+              <a:t>7</a:t>
             </a:fld>
             <a:endParaRPr lang="en-US"/>
           </a:p>
@@ -29434,7 +29717,7 @@
 </p:sld>
 </file>
 
-<file path=ppt/slides/slide8.xml><?xml version="1.0" encoding="utf-8"?>
+<file path=ppt/slides/slide9.xml><?xml version="1.0" encoding="utf-8"?>
 <p:sld xmlns:a="http://schemas.openxmlformats.org/drawingml/2006/main" xmlns:r="http://schemas.openxmlformats.org/officeDocument/2006/relationships" xmlns:p="http://schemas.openxmlformats.org/presentationml/2006/main">
   <p:cSld>
     <p:spTree>
@@ -29533,7 +29816,7 @@
             </a:pPr>
             <a:fld id="{00000000-1234-1234-1234-123412341234}" type="slidenum">
               <a:rPr lang="en-US" smtClean="0"/>
-              <a:t>7</a:t>
+              <a:t>8</a:t>
             </a:fld>
             <a:endParaRPr lang="en-US"/>
           </a:p>
@@ -29573,151 +29856,6 @@
     <p:extLst>
       <p:ext uri="{BB962C8B-B14F-4D97-AF65-F5344CB8AC3E}">
         <p14:creationId xmlns:p14="http://schemas.microsoft.com/office/powerpoint/2010/main" val="2002853183"/>
-      </p:ext>
-    </p:extLst>
-  </p:cSld>
-  <p:clrMapOvr>
-    <a:masterClrMapping/>
-  </p:clrMapOvr>
-  <p:timing>
-    <p:tnLst>
-      <p:par>
-        <p:cTn id="1" dur="indefinite" restart="never" nodeType="tmRoot"/>
-      </p:par>
-    </p:tnLst>
-  </p:timing>
-</p:sld>
-</file>
-
-<file path=ppt/slides/slide9.xml><?xml version="1.0" encoding="utf-8"?>
-<p:sld xmlns:a="http://schemas.openxmlformats.org/drawingml/2006/main" xmlns:r="http://schemas.openxmlformats.org/officeDocument/2006/relationships" xmlns:p="http://schemas.openxmlformats.org/presentationml/2006/main">
-  <p:cSld>
-    <p:spTree>
-      <p:nvGrpSpPr>
-        <p:cNvPr id="1" name=""/>
-        <p:cNvGrpSpPr/>
-        <p:nvPr/>
-      </p:nvGrpSpPr>
-      <p:grpSpPr>
-        <a:xfrm>
-          <a:off x="0" y="0"/>
-          <a:ext cx="0" cy="0"/>
-          <a:chOff x="0" y="0"/>
-          <a:chExt cx="0" cy="0"/>
-        </a:xfrm>
-      </p:grpSpPr>
-      <p:sp>
-        <p:nvSpPr>
-          <p:cNvPr id="2" name="Title 1"/>
-          <p:cNvSpPr>
-            <a:spLocks noGrp="1"/>
-          </p:cNvSpPr>
-          <p:nvPr>
-            <p:ph type="title"/>
-          </p:nvPr>
-        </p:nvSpPr>
-        <p:spPr/>
-        <p:txBody>
-          <a:bodyPr/>
-          <a:lstStyle/>
-          <a:p>
-            <a:r>
-              <a:rPr lang="en-US" dirty="0" smtClean="0">
-                <a:latin typeface="+mj-lt"/>
-              </a:rPr>
-              <a:t>LIST OF FEATURES IMPLEMENTED</a:t>
-            </a:r>
-            <a:endParaRPr lang="en-US" dirty="0">
-              <a:latin typeface="+mj-lt"/>
-            </a:endParaRPr>
-          </a:p>
-        </p:txBody>
-      </p:sp>
-      <p:sp>
-        <p:nvSpPr>
-          <p:cNvPr id="3" name="Text Placeholder 2"/>
-          <p:cNvSpPr>
-            <a:spLocks noGrp="1"/>
-          </p:cNvSpPr>
-          <p:nvPr>
-            <p:ph type="body" idx="1"/>
-          </p:nvPr>
-        </p:nvSpPr>
-        <p:spPr/>
-        <p:txBody>
-          <a:bodyPr/>
-          <a:lstStyle/>
-          <a:p>
-            <a:endParaRPr lang="en-US" dirty="0"/>
-          </a:p>
-        </p:txBody>
-      </p:sp>
-      <p:sp>
-        <p:nvSpPr>
-          <p:cNvPr id="4" name="Slide Number Placeholder 3"/>
-          <p:cNvSpPr>
-            <a:spLocks noGrp="1"/>
-          </p:cNvSpPr>
-          <p:nvPr>
-            <p:ph type="sldNum" idx="12"/>
-          </p:nvPr>
-        </p:nvSpPr>
-        <p:spPr/>
-        <p:txBody>
-          <a:bodyPr/>
-          <a:lstStyle/>
-          <a:p>
-            <a:pPr marL="0" lvl="0" indent="0" algn="r" rtl="0">
-              <a:spcBef>
-                <a:spcPts val="0"/>
-              </a:spcBef>
-              <a:spcAft>
-                <a:spcPts val="0"/>
-              </a:spcAft>
-              <a:buNone/>
-            </a:pPr>
-            <a:fld id="{00000000-1234-1234-1234-123412341234}" type="slidenum">
-              <a:rPr lang="en-US" smtClean="0"/>
-              <a:t>8</a:t>
-            </a:fld>
-            <a:endParaRPr lang="en-US"/>
-          </a:p>
-        </p:txBody>
-      </p:sp>
-      <p:pic>
-        <p:nvPicPr>
-          <p:cNvPr id="6" name="Picture 5"/>
-          <p:cNvPicPr>
-            <a:picLocks noChangeAspect="1"/>
-          </p:cNvPicPr>
-          <p:nvPr/>
-        </p:nvPicPr>
-        <p:blipFill>
-          <a:blip r:embed="rId2">
-            <a:extLst>
-              <a:ext uri="{28A0092B-C50C-407E-A947-70E740481C1C}">
-                <a14:useLocalDpi xmlns:a14="http://schemas.microsoft.com/office/drawing/2010/main" val="0"/>
-              </a:ext>
-            </a:extLst>
-          </a:blip>
-          <a:stretch>
-            <a:fillRect/>
-          </a:stretch>
-        </p:blipFill>
-        <p:spPr>
-          <a:xfrm>
-            <a:off x="0" y="1042061"/>
-            <a:ext cx="9144000" cy="5143500"/>
-          </a:xfrm>
-          <a:prstGeom prst="rect">
-            <a:avLst/>
-          </a:prstGeom>
-        </p:spPr>
-      </p:pic>
-    </p:spTree>
-    <p:extLst>
-      <p:ext uri="{BB962C8B-B14F-4D97-AF65-F5344CB8AC3E}">
-        <p14:creationId xmlns:p14="http://schemas.microsoft.com/office/powerpoint/2010/main" val="67426327"/>
       </p:ext>
     </p:extLst>
   </p:cSld>
